--- a/auca/sem-1/edrom-8113-study-research/7 Scientific Research Method.pptx
+++ b/auca/sem-1/edrom-8113-study-research/7 Scientific Research Method.pptx
@@ -4,28 +4,31 @@
   <p:sldMasterIdLst>
     <p:sldMasterId id="2147483648" r:id="rId1"/>
   </p:sldMasterIdLst>
+  <p:notesMasterIdLst>
+    <p:notesMasterId r:id="rId5"/>
+  </p:notesMasterIdLst>
   <p:sldIdLst>
     <p:sldId id="256" r:id="rId3"/>
     <p:sldId id="257" r:id="rId4"/>
-    <p:sldId id="258" r:id="rId5"/>
-    <p:sldId id="259" r:id="rId6"/>
-    <p:sldId id="260" r:id="rId7"/>
-    <p:sldId id="261" r:id="rId8"/>
-    <p:sldId id="262" r:id="rId9"/>
-    <p:sldId id="263" r:id="rId10"/>
-    <p:sldId id="264" r:id="rId11"/>
-    <p:sldId id="265" r:id="rId12"/>
-    <p:sldId id="276" r:id="rId13"/>
-    <p:sldId id="266" r:id="rId14"/>
-    <p:sldId id="268" r:id="rId15"/>
-    <p:sldId id="269" r:id="rId16"/>
-    <p:sldId id="270" r:id="rId17"/>
-    <p:sldId id="271" r:id="rId18"/>
-    <p:sldId id="272" r:id="rId19"/>
-    <p:sldId id="273" r:id="rId20"/>
-    <p:sldId id="274" r:id="rId21"/>
-    <p:sldId id="267" r:id="rId22"/>
-    <p:sldId id="275" r:id="rId23"/>
+    <p:sldId id="258" r:id="rId6"/>
+    <p:sldId id="259" r:id="rId7"/>
+    <p:sldId id="260" r:id="rId8"/>
+    <p:sldId id="261" r:id="rId9"/>
+    <p:sldId id="262" r:id="rId10"/>
+    <p:sldId id="263" r:id="rId11"/>
+    <p:sldId id="264" r:id="rId12"/>
+    <p:sldId id="265" r:id="rId13"/>
+    <p:sldId id="276" r:id="rId14"/>
+    <p:sldId id="266" r:id="rId15"/>
+    <p:sldId id="268" r:id="rId16"/>
+    <p:sldId id="269" r:id="rId17"/>
+    <p:sldId id="270" r:id="rId18"/>
+    <p:sldId id="271" r:id="rId19"/>
+    <p:sldId id="272" r:id="rId20"/>
+    <p:sldId id="273" r:id="rId21"/>
+    <p:sldId id="274" r:id="rId22"/>
+    <p:sldId id="267" r:id="rId23"/>
+    <p:sldId id="275" r:id="rId24"/>
   </p:sldIdLst>
   <p:sldSz cx="12192000" cy="6858000"/>
   <p:notesSz cx="6858000" cy="9144000"/>
@@ -127,6 +130,403 @@
 </p:presentation>
 </file>
 
+<file path=ppt/commentAuthors.xml><?xml version="1.0" encoding="utf-8"?>
+<p:cmAuthorLst xmlns:a="http://schemas.openxmlformats.org/drawingml/2006/main" xmlns:r="http://schemas.openxmlformats.org/officeDocument/2006/relationships" xmlns:p="http://schemas.openxmlformats.org/presentationml/2006/main">
+  <p:cmAuthor id="1" name="jmutangana" initials="j" lastIdx="1" clrIdx="0"/>
+</p:cmAuthorLst>
+</file>
+
+<file path=ppt/notesMasters/notesMaster1.xml><?xml version="1.0" encoding="utf-8"?>
+<p:notesMaster xmlns:a="http://schemas.openxmlformats.org/drawingml/2006/main" xmlns:r="http://schemas.openxmlformats.org/officeDocument/2006/relationships" xmlns:p="http://schemas.openxmlformats.org/presentationml/2006/main">
+  <p:cSld>
+    <p:bg>
+      <p:bgRef idx="1001">
+        <a:schemeClr val="bg1"/>
+      </p:bgRef>
+    </p:bg>
+    <p:spTree>
+      <p:nvGrpSpPr>
+        <p:cNvPr id="1" name=""/>
+        <p:cNvGrpSpPr/>
+        <p:nvPr/>
+      </p:nvGrpSpPr>
+      <p:grpSpPr>
+        <a:xfrm>
+          <a:off x="0" y="0"/>
+          <a:ext cx="0" cy="0"/>
+          <a:chOff x="0" y="0"/>
+          <a:chExt cx="0" cy="0"/>
+        </a:xfrm>
+      </p:grpSpPr>
+      <p:sp>
+        <p:nvSpPr>
+          <p:cNvPr id="2" name="Header Placeholder 1"/>
+          <p:cNvSpPr>
+            <a:spLocks noGrp="1"/>
+          </p:cNvSpPr>
+          <p:nvPr>
+            <p:ph type="hdr" sz="quarter"/>
+          </p:nvPr>
+        </p:nvSpPr>
+        <p:spPr>
+          <a:xfrm>
+            <a:off x="0" y="0"/>
+            <a:ext cx="2971800" cy="458788"/>
+          </a:xfrm>
+          <a:prstGeom prst="rect">
+            <a:avLst/>
+          </a:prstGeom>
+        </p:spPr>
+        <p:txBody>
+          <a:bodyPr vert="horz" lIns="91440" tIns="45720" rIns="91440" bIns="45720" rtlCol="0"/>
+          <a:lstStyle>
+            <a:lvl1pPr algn="l">
+              <a:defRPr sz="1200"/>
+            </a:lvl1pPr>
+          </a:lstStyle>
+          <a:p>
+            <a:endParaRPr lang="en-US"/>
+          </a:p>
+        </p:txBody>
+      </p:sp>
+      <p:sp>
+        <p:nvSpPr>
+          <p:cNvPr id="3" name="Date Placeholder 2"/>
+          <p:cNvSpPr>
+            <a:spLocks noGrp="1"/>
+          </p:cNvSpPr>
+          <p:nvPr>
+            <p:ph type="dt" idx="1"/>
+          </p:nvPr>
+        </p:nvSpPr>
+        <p:spPr>
+          <a:xfrm>
+            <a:off x="3884613" y="0"/>
+            <a:ext cx="2971800" cy="458788"/>
+          </a:xfrm>
+          <a:prstGeom prst="rect">
+            <a:avLst/>
+          </a:prstGeom>
+        </p:spPr>
+        <p:txBody>
+          <a:bodyPr vert="horz" lIns="91440" tIns="45720" rIns="91440" bIns="45720" rtlCol="0"/>
+          <a:lstStyle>
+            <a:lvl1pPr algn="r">
+              <a:defRPr sz="1200"/>
+            </a:lvl1pPr>
+          </a:lstStyle>
+          <a:p>
+            <a:fld id="{3EFD42F7-718C-4B98-AAEC-167E6DDD60A7}" type="datetimeFigureOut">
+              <a:rPr lang="en-US" smtClean="0"/>
+            </a:fld>
+            <a:endParaRPr lang="en-US"/>
+          </a:p>
+        </p:txBody>
+      </p:sp>
+      <p:sp>
+        <p:nvSpPr>
+          <p:cNvPr id="4" name="Slide Image Placeholder 3"/>
+          <p:cNvSpPr>
+            <a:spLocks noGrp="1" noRot="1" noChangeAspect="1"/>
+          </p:cNvSpPr>
+          <p:nvPr>
+            <p:ph type="sldImg" idx="2"/>
+          </p:nvPr>
+        </p:nvSpPr>
+        <p:spPr>
+          <a:xfrm>
+            <a:off x="685800" y="1143000"/>
+            <a:ext cx="5486400" cy="3086100"/>
+          </a:xfrm>
+          <a:prstGeom prst="rect">
+            <a:avLst/>
+          </a:prstGeom>
+          <a:noFill/>
+          <a:ln w="12700">
+            <a:solidFill>
+              <a:prstClr val="black"/>
+            </a:solidFill>
+          </a:ln>
+        </p:spPr>
+        <p:txBody>
+          <a:bodyPr vert="horz" lIns="91440" tIns="45720" rIns="91440" bIns="45720" rtlCol="0" anchor="ctr"/>
+          <a:lstStyle/>
+          <a:p>
+            <a:endParaRPr lang="en-US"/>
+          </a:p>
+        </p:txBody>
+      </p:sp>
+      <p:sp>
+        <p:nvSpPr>
+          <p:cNvPr id="5" name="Notes Placeholder 4"/>
+          <p:cNvSpPr>
+            <a:spLocks noGrp="1"/>
+          </p:cNvSpPr>
+          <p:nvPr>
+            <p:ph type="body" sz="quarter" idx="3"/>
+          </p:nvPr>
+        </p:nvSpPr>
+        <p:spPr>
+          <a:xfrm>
+            <a:off x="685800" y="4400550"/>
+            <a:ext cx="5486400" cy="3600450"/>
+          </a:xfrm>
+          <a:prstGeom prst="rect">
+            <a:avLst/>
+          </a:prstGeom>
+        </p:spPr>
+        <p:txBody>
+          <a:bodyPr vert="horz" lIns="91440" tIns="45720" rIns="91440" bIns="45720" rtlCol="0"/>
+          <a:lstStyle/>
+          <a:p>
+            <a:pPr lvl="0"/>
+            <a:r>
+              <a:rPr lang="en-US" smtClean="0"/>
+              <a:t>Click to edit Master text styles</a:t>
+            </a:r>
+            <a:endParaRPr lang="en-US" smtClean="0"/>
+          </a:p>
+          <a:p>
+            <a:pPr lvl="1"/>
+            <a:r>
+              <a:rPr lang="en-US" smtClean="0"/>
+              <a:t>Second level</a:t>
+            </a:r>
+            <a:endParaRPr lang="en-US" smtClean="0"/>
+          </a:p>
+          <a:p>
+            <a:pPr lvl="2"/>
+            <a:r>
+              <a:rPr lang="en-US" smtClean="0"/>
+              <a:t>Third level</a:t>
+            </a:r>
+            <a:endParaRPr lang="en-US" smtClean="0"/>
+          </a:p>
+          <a:p>
+            <a:pPr lvl="3"/>
+            <a:r>
+              <a:rPr lang="en-US" smtClean="0"/>
+              <a:t>Fourth level</a:t>
+            </a:r>
+            <a:endParaRPr lang="en-US" smtClean="0"/>
+          </a:p>
+          <a:p>
+            <a:pPr lvl="4"/>
+            <a:r>
+              <a:rPr lang="en-US" smtClean="0"/>
+              <a:t>Fifth level</a:t>
+            </a:r>
+            <a:endParaRPr lang="en-US"/>
+          </a:p>
+        </p:txBody>
+      </p:sp>
+      <p:sp>
+        <p:nvSpPr>
+          <p:cNvPr id="6" name="Footer Placeholder 5"/>
+          <p:cNvSpPr>
+            <a:spLocks noGrp="1"/>
+          </p:cNvSpPr>
+          <p:nvPr>
+            <p:ph type="ftr" sz="quarter" idx="4"/>
+          </p:nvPr>
+        </p:nvSpPr>
+        <p:spPr>
+          <a:xfrm>
+            <a:off x="0" y="8685213"/>
+            <a:ext cx="2971800" cy="458787"/>
+          </a:xfrm>
+          <a:prstGeom prst="rect">
+            <a:avLst/>
+          </a:prstGeom>
+        </p:spPr>
+        <p:txBody>
+          <a:bodyPr vert="horz" lIns="91440" tIns="45720" rIns="91440" bIns="45720" rtlCol="0" anchor="b"/>
+          <a:lstStyle>
+            <a:lvl1pPr algn="l">
+              <a:defRPr sz="1200"/>
+            </a:lvl1pPr>
+          </a:lstStyle>
+          <a:p>
+            <a:endParaRPr lang="en-US"/>
+          </a:p>
+        </p:txBody>
+      </p:sp>
+      <p:sp>
+        <p:nvSpPr>
+          <p:cNvPr id="7" name="Slide Number Placeholder 6"/>
+          <p:cNvSpPr>
+            <a:spLocks noGrp="1"/>
+          </p:cNvSpPr>
+          <p:nvPr>
+            <p:ph type="sldNum" sz="quarter" idx="5"/>
+          </p:nvPr>
+        </p:nvSpPr>
+        <p:spPr>
+          <a:xfrm>
+            <a:off x="3884613" y="8685213"/>
+            <a:ext cx="2971800" cy="458787"/>
+          </a:xfrm>
+          <a:prstGeom prst="rect">
+            <a:avLst/>
+          </a:prstGeom>
+        </p:spPr>
+        <p:txBody>
+          <a:bodyPr vert="horz" lIns="91440" tIns="45720" rIns="91440" bIns="45720" rtlCol="0" anchor="b"/>
+          <a:lstStyle>
+            <a:lvl1pPr algn="r">
+              <a:defRPr sz="1200"/>
+            </a:lvl1pPr>
+          </a:lstStyle>
+          <a:p>
+            <a:fld id="{21B2AA4F-B828-4D7C-AFD3-893933DAFCB4}" type="slidenum">
+              <a:rPr lang="en-US" smtClean="0"/>
+            </a:fld>
+            <a:endParaRPr lang="en-US"/>
+          </a:p>
+        </p:txBody>
+      </p:sp>
+    </p:spTree>
+  </p:cSld>
+  <p:clrMap bg1="lt1" tx1="dk1" bg2="lt2" tx2="dk2" accent1="accent1" accent2="accent2" accent3="accent3" accent4="accent4" accent5="accent5" accent6="accent6" hlink="hlink" folHlink="folHlink"/>
+  <p:notesStyle>
+    <a:lvl1pPr marL="0" algn="l" defTabSz="914400" rtl="0" eaLnBrk="1" latinLnBrk="0" hangingPunct="1">
+      <a:defRPr sz="1200" kern="1200">
+        <a:solidFill>
+          <a:schemeClr val="tx1"/>
+        </a:solidFill>
+        <a:latin typeface="+mn-lt"/>
+        <a:ea typeface="+mn-ea"/>
+        <a:cs typeface="+mn-cs"/>
+      </a:defRPr>
+    </a:lvl1pPr>
+    <a:lvl2pPr marL="457200" algn="l" defTabSz="914400" rtl="0" eaLnBrk="1" latinLnBrk="0" hangingPunct="1">
+      <a:defRPr sz="1200" kern="1200">
+        <a:solidFill>
+          <a:schemeClr val="tx1"/>
+        </a:solidFill>
+        <a:latin typeface="+mn-lt"/>
+        <a:ea typeface="+mn-ea"/>
+        <a:cs typeface="+mn-cs"/>
+      </a:defRPr>
+    </a:lvl2pPr>
+    <a:lvl3pPr marL="914400" algn="l" defTabSz="914400" rtl="0" eaLnBrk="1" latinLnBrk="0" hangingPunct="1">
+      <a:defRPr sz="1200" kern="1200">
+        <a:solidFill>
+          <a:schemeClr val="tx1"/>
+        </a:solidFill>
+        <a:latin typeface="+mn-lt"/>
+        <a:ea typeface="+mn-ea"/>
+        <a:cs typeface="+mn-cs"/>
+      </a:defRPr>
+    </a:lvl3pPr>
+    <a:lvl4pPr marL="1371600" algn="l" defTabSz="914400" rtl="0" eaLnBrk="1" latinLnBrk="0" hangingPunct="1">
+      <a:defRPr sz="1200" kern="1200">
+        <a:solidFill>
+          <a:schemeClr val="tx1"/>
+        </a:solidFill>
+        <a:latin typeface="+mn-lt"/>
+        <a:ea typeface="+mn-ea"/>
+        <a:cs typeface="+mn-cs"/>
+      </a:defRPr>
+    </a:lvl4pPr>
+    <a:lvl5pPr marL="1828800" algn="l" defTabSz="914400" rtl="0" eaLnBrk="1" latinLnBrk="0" hangingPunct="1">
+      <a:defRPr sz="1200" kern="1200">
+        <a:solidFill>
+          <a:schemeClr val="tx1"/>
+        </a:solidFill>
+        <a:latin typeface="+mn-lt"/>
+        <a:ea typeface="+mn-ea"/>
+        <a:cs typeface="+mn-cs"/>
+      </a:defRPr>
+    </a:lvl5pPr>
+    <a:lvl6pPr marL="2286000" algn="l" defTabSz="914400" rtl="0" eaLnBrk="1" latinLnBrk="0" hangingPunct="1">
+      <a:defRPr sz="1200" kern="1200">
+        <a:solidFill>
+          <a:schemeClr val="tx1"/>
+        </a:solidFill>
+        <a:latin typeface="+mn-lt"/>
+        <a:ea typeface="+mn-ea"/>
+        <a:cs typeface="+mn-cs"/>
+      </a:defRPr>
+    </a:lvl6pPr>
+    <a:lvl7pPr marL="2743200" algn="l" defTabSz="914400" rtl="0" eaLnBrk="1" latinLnBrk="0" hangingPunct="1">
+      <a:defRPr sz="1200" kern="1200">
+        <a:solidFill>
+          <a:schemeClr val="tx1"/>
+        </a:solidFill>
+        <a:latin typeface="+mn-lt"/>
+        <a:ea typeface="+mn-ea"/>
+        <a:cs typeface="+mn-cs"/>
+      </a:defRPr>
+    </a:lvl7pPr>
+    <a:lvl8pPr marL="3200400" algn="l" defTabSz="914400" rtl="0" eaLnBrk="1" latinLnBrk="0" hangingPunct="1">
+      <a:defRPr sz="1200" kern="1200">
+        <a:solidFill>
+          <a:schemeClr val="tx1"/>
+        </a:solidFill>
+        <a:latin typeface="+mn-lt"/>
+        <a:ea typeface="+mn-ea"/>
+        <a:cs typeface="+mn-cs"/>
+      </a:defRPr>
+    </a:lvl8pPr>
+    <a:lvl9pPr marL="3657600" algn="l" defTabSz="914400" rtl="0" eaLnBrk="1" latinLnBrk="0" hangingPunct="1">
+      <a:defRPr sz="1200" kern="1200">
+        <a:solidFill>
+          <a:schemeClr val="tx1"/>
+        </a:solidFill>
+        <a:latin typeface="+mn-lt"/>
+        <a:ea typeface="+mn-ea"/>
+        <a:cs typeface="+mn-cs"/>
+      </a:defRPr>
+    </a:lvl9pPr>
+  </p:notesStyle>
+</p:notesMaster>
+</file>
+
+<file path=ppt/notesSlides/notesSlide1.xml><?xml version="1.0" encoding="utf-8"?>
+<p:notes xmlns:a="http://schemas.openxmlformats.org/drawingml/2006/main" xmlns:r="http://schemas.openxmlformats.org/officeDocument/2006/relationships" xmlns:p="http://schemas.openxmlformats.org/presentationml/2006/main">
+  <p:cSld>
+    <p:spTree>
+      <p:nvGrpSpPr>
+        <p:cNvPr id="1" name=""/>
+        <p:cNvGrpSpPr/>
+        <p:nvPr/>
+      </p:nvGrpSpPr>
+      <p:grpSpPr/>
+      <p:sp>
+        <p:nvSpPr>
+          <p:cNvPr id="2" name="Slide Image Placeholder 1"/>
+          <p:cNvSpPr/>
+          <p:nvPr>
+            <p:ph type="sldImg" idx="2"/>
+          </p:nvPr>
+        </p:nvSpPr>
+        <p:spPr/>
+      </p:sp>
+      <p:sp>
+        <p:nvSpPr>
+          <p:cNvPr id="3" name="Text Placeholder 2"/>
+          <p:cNvSpPr/>
+          <p:nvPr>
+            <p:ph type="body" idx="3"/>
+          </p:nvPr>
+        </p:nvSpPr>
+        <p:spPr/>
+        <p:txBody>
+          <a:bodyPr/>
+          <a:p>
+            <a:endParaRPr lang="en-US"/>
+          </a:p>
+        </p:txBody>
+      </p:sp>
+    </p:spTree>
+  </p:cSld>
+  <p:clrMapOvr>
+    <a:masterClrMapping/>
+  </p:clrMapOvr>
+</p:notes>
+</file>
+
 <file path=ppt/slideLayouts/slideLayout1.xml><?xml version="1.0" encoding="utf-8"?>
 <p:sldLayout xmlns:a="http://schemas.openxmlformats.org/drawingml/2006/main" xmlns:r="http://schemas.openxmlformats.org/officeDocument/2006/relationships" xmlns:p="http://schemas.openxmlformats.org/presentationml/2006/main" type="title" preserve="1">
   <p:cSld name="Title Slide">
@@ -2669,7 +3069,7 @@
         <a:spcBef>
           <a:spcPts val="1000"/>
         </a:spcBef>
-        <a:buFont typeface="Arial" panose="020B0604020202020204" pitchFamily="34" charset="0"/>
+        <a:buFont typeface="Arial" panose="02080604020202020204" pitchFamily="34" charset="0"/>
         <a:buChar char="•"/>
         <a:defRPr sz="2800" kern="1200">
           <a:solidFill>
@@ -2687,7 +3087,7 @@
         <a:spcBef>
           <a:spcPts val="500"/>
         </a:spcBef>
-        <a:buFont typeface="Arial" panose="020B0604020202020204" pitchFamily="34" charset="0"/>
+        <a:buFont typeface="Arial" panose="02080604020202020204" pitchFamily="34" charset="0"/>
         <a:buChar char="•"/>
         <a:defRPr sz="2400" kern="1200">
           <a:solidFill>
@@ -2705,7 +3105,7 @@
         <a:spcBef>
           <a:spcPts val="500"/>
         </a:spcBef>
-        <a:buFont typeface="Arial" panose="020B0604020202020204" pitchFamily="34" charset="0"/>
+        <a:buFont typeface="Arial" panose="02080604020202020204" pitchFamily="34" charset="0"/>
         <a:buChar char="•"/>
         <a:defRPr sz="2000" kern="1200">
           <a:solidFill>
@@ -2723,7 +3123,7 @@
         <a:spcBef>
           <a:spcPts val="500"/>
         </a:spcBef>
-        <a:buFont typeface="Arial" panose="020B0604020202020204" pitchFamily="34" charset="0"/>
+        <a:buFont typeface="Arial" panose="02080604020202020204" pitchFamily="34" charset="0"/>
         <a:buChar char="•"/>
         <a:defRPr sz="1800" kern="1200">
           <a:solidFill>
@@ -2741,7 +3141,7 @@
         <a:spcBef>
           <a:spcPts val="500"/>
         </a:spcBef>
-        <a:buFont typeface="Arial" panose="020B0604020202020204" pitchFamily="34" charset="0"/>
+        <a:buFont typeface="Arial" panose="02080604020202020204" pitchFamily="34" charset="0"/>
         <a:buChar char="•"/>
         <a:defRPr sz="1800" kern="1200">
           <a:solidFill>
@@ -2759,7 +3159,7 @@
         <a:spcBef>
           <a:spcPts val="500"/>
         </a:spcBef>
-        <a:buFont typeface="Arial" panose="020B0604020202020204" pitchFamily="34" charset="0"/>
+        <a:buFont typeface="Arial" panose="02080604020202020204" pitchFamily="34" charset="0"/>
         <a:buChar char="•"/>
         <a:defRPr sz="1800" kern="1200">
           <a:solidFill>
@@ -2777,7 +3177,7 @@
         <a:spcBef>
           <a:spcPts val="500"/>
         </a:spcBef>
-        <a:buFont typeface="Arial" panose="020B0604020202020204" pitchFamily="34" charset="0"/>
+        <a:buFont typeface="Arial" panose="02080604020202020204" pitchFamily="34" charset="0"/>
         <a:buChar char="•"/>
         <a:defRPr sz="1800" kern="1200">
           <a:solidFill>
@@ -2795,7 +3195,7 @@
         <a:spcBef>
           <a:spcPts val="500"/>
         </a:spcBef>
-        <a:buFont typeface="Arial" panose="020B0604020202020204" pitchFamily="34" charset="0"/>
+        <a:buFont typeface="Arial" panose="02080604020202020204" pitchFamily="34" charset="0"/>
         <a:buChar char="•"/>
         <a:defRPr sz="1800" kern="1200">
           <a:solidFill>
@@ -2813,7 +3213,7 @@
         <a:spcBef>
           <a:spcPts val="500"/>
         </a:spcBef>
-        <a:buFont typeface="Arial" panose="020B0604020202020204" pitchFamily="34" charset="0"/>
+        <a:buFont typeface="Arial" panose="02080604020202020204" pitchFamily="34" charset="0"/>
         <a:buChar char="•"/>
         <a:defRPr sz="1800" kern="1200">
           <a:solidFill>
@@ -4552,13 +4952,13 @@
         <p:spPr/>
         <p:txBody>
           <a:bodyPr>
-            <a:normAutofit fontScale="92500" lnSpcReduction="10000"/>
+            <a:noAutofit/>
           </a:bodyPr>
           <a:lstStyle/>
           <a:p>
             <a:pPr algn="just"/>
             <a:r>
-              <a:rPr lang="en-GB" sz="2800" i="1" dirty="0">
+              <a:rPr lang="en-GB" sz="2000" i="1" dirty="0">
                 <a:effectLst/>
                 <a:latin typeface="Times New Roman" panose="02020603050405020304" pitchFamily="18" charset="0"/>
                 <a:ea typeface="PMingLiU" panose="02020500000000000000" pitchFamily="18" charset="-120"/>
@@ -4566,7 +4966,7 @@
               <a:t>Action research</a:t>
             </a:r>
             <a:r>
-              <a:rPr lang="en-GB" sz="2800" dirty="0">
+              <a:rPr lang="en-GB" sz="2000" dirty="0">
                 <a:effectLst/>
                 <a:latin typeface="Times New Roman" panose="02020603050405020304" pitchFamily="18" charset="0"/>
                 <a:ea typeface="PMingLiU" panose="02020500000000000000" pitchFamily="18" charset="-120"/>
@@ -4574,7 +4974,7 @@
               <a:t> strategy is focus on the action and promotes change on the field where it is undertaken. The person undertaking the research is involved in this action for change and subsequently applies the knowledge gained elsewhere. </a:t>
             </a:r>
             <a:r>
-              <a:rPr lang="en-US" sz="2800" dirty="0">
+              <a:rPr lang="en-US" sz="2000" dirty="0">
                 <a:effectLst/>
                 <a:latin typeface="Times New Roman" panose="02020603050405020304" pitchFamily="18" charset="0"/>
                 <a:ea typeface="PMingLiU" panose="02020500000000000000" pitchFamily="18" charset="-120"/>
@@ -4582,7 +4982,7 @@
               <a:t>(Sounders, Lewis, &amp; </a:t>
             </a:r>
             <a:r>
-              <a:rPr lang="en-US" sz="2800" dirty="0" err="1">
+              <a:rPr lang="en-US" sz="2000" dirty="0" err="1">
                 <a:effectLst/>
                 <a:latin typeface="Times New Roman" panose="02020603050405020304" pitchFamily="18" charset="0"/>
                 <a:ea typeface="PMingLiU" panose="02020500000000000000" pitchFamily="18" charset="-120"/>
@@ -4590,14 +4990,14 @@
               <a:t>Thrornhill</a:t>
             </a:r>
             <a:r>
-              <a:rPr lang="en-US" sz="2800" dirty="0">
+              <a:rPr lang="en-US" sz="2000" dirty="0">
                 <a:effectLst/>
                 <a:latin typeface="Times New Roman" panose="02020603050405020304" pitchFamily="18" charset="0"/>
                 <a:ea typeface="PMingLiU" panose="02020500000000000000" pitchFamily="18" charset="-120"/>
               </a:rPr>
               <a:t>, 2009)</a:t>
             </a:r>
-            <a:endParaRPr lang="en-US" sz="2800" dirty="0">
+            <a:endParaRPr lang="en-US" sz="2000" dirty="0">
               <a:effectLst/>
               <a:latin typeface="Times New Roman" panose="02020603050405020304" pitchFamily="18" charset="0"/>
               <a:ea typeface="PMingLiU" panose="02020500000000000000" pitchFamily="18" charset="-120"/>
@@ -4606,7 +5006,7 @@
           <a:p>
             <a:pPr algn="just"/>
             <a:r>
-              <a:rPr lang="en-GB" sz="2800" i="1" dirty="0">
+              <a:rPr lang="en-GB" sz="2000" i="1" dirty="0">
                 <a:effectLst/>
                 <a:latin typeface="Times New Roman" panose="02020603050405020304" pitchFamily="18" charset="0"/>
                 <a:ea typeface="PMingLiU" panose="02020500000000000000" pitchFamily="18" charset="-120"/>
@@ -4614,7 +5014,7 @@
               <a:t>Grounded theory </a:t>
             </a:r>
             <a:r>
-              <a:rPr lang="en-GB" sz="2800" dirty="0">
+              <a:rPr lang="en-GB" sz="2000" dirty="0">
                 <a:effectLst/>
                 <a:latin typeface="Times New Roman" panose="02020603050405020304" pitchFamily="18" charset="0"/>
                 <a:ea typeface="PMingLiU" panose="02020500000000000000" pitchFamily="18" charset="-120"/>
@@ -4622,7 +5022,7 @@
               <a:t>strategy is used to predict and explain the behaviour based on building a theory. </a:t>
             </a:r>
             <a:r>
-              <a:rPr lang="en-US" sz="2800" dirty="0">
+              <a:rPr lang="en-US" sz="2000" dirty="0">
                 <a:effectLst/>
                 <a:latin typeface="Times New Roman" panose="02020603050405020304" pitchFamily="18" charset="0"/>
                 <a:ea typeface="PMingLiU" panose="02020500000000000000" pitchFamily="18" charset="-120"/>
@@ -4630,7 +5030,7 @@
               <a:t>(Sounders, Lewis, &amp; </a:t>
             </a:r>
             <a:r>
-              <a:rPr lang="en-US" sz="2800" dirty="0" err="1">
+              <a:rPr lang="en-US" sz="2000" dirty="0" err="1">
                 <a:effectLst/>
                 <a:latin typeface="Times New Roman" panose="02020603050405020304" pitchFamily="18" charset="0"/>
                 <a:ea typeface="PMingLiU" panose="02020500000000000000" pitchFamily="18" charset="-120"/>
@@ -4638,14 +5038,14 @@
               <a:t>Thrornhill</a:t>
             </a:r>
             <a:r>
-              <a:rPr lang="en-US" sz="2800" dirty="0">
+              <a:rPr lang="en-US" sz="2000" dirty="0">
                 <a:effectLst/>
                 <a:latin typeface="Times New Roman" panose="02020603050405020304" pitchFamily="18" charset="0"/>
                 <a:ea typeface="PMingLiU" panose="02020500000000000000" pitchFamily="18" charset="-120"/>
               </a:rPr>
               <a:t>, 2009)</a:t>
             </a:r>
-            <a:endParaRPr lang="en-US" sz="2800" dirty="0">
+            <a:endParaRPr lang="en-US" sz="2000" dirty="0">
               <a:effectLst/>
               <a:latin typeface="Times New Roman" panose="02020603050405020304" pitchFamily="18" charset="0"/>
               <a:ea typeface="PMingLiU" panose="02020500000000000000" pitchFamily="18" charset="-120"/>
@@ -4654,14 +5054,14 @@
           <a:p>
             <a:pPr algn="just"/>
             <a:r>
-              <a:rPr lang="en-GB" sz="2800" dirty="0">
+              <a:rPr lang="en-GB" sz="2000" dirty="0">
                 <a:effectLst/>
                 <a:latin typeface="Times New Roman" panose="02020603050405020304" pitchFamily="18" charset="0"/>
                 <a:ea typeface="PMingLiU" panose="02020500000000000000" pitchFamily="18" charset="-120"/>
               </a:rPr>
               <a:t> Ethnographic strategy is rooted in inductive approach where researchers observe the everyday life of a particular group as full-time member of the social context in which the research is being undertaken.</a:t>
             </a:r>
-            <a:endParaRPr lang="en-US" sz="2800" dirty="0">
+            <a:endParaRPr lang="en-US" sz="2000" dirty="0">
               <a:effectLst/>
               <a:latin typeface="Times New Roman" panose="02020603050405020304" pitchFamily="18" charset="0"/>
               <a:ea typeface="PMingLiU" panose="02020500000000000000" pitchFamily="18" charset="-120"/>
@@ -4670,7 +5070,7 @@
           <a:p>
             <a:pPr algn="just"/>
             <a:r>
-              <a:rPr lang="en-GB" sz="2800" i="1" dirty="0">
+              <a:rPr lang="en-GB" sz="2000" i="1" dirty="0">
                 <a:effectLst/>
                 <a:latin typeface="Times New Roman" panose="02020603050405020304" pitchFamily="18" charset="0"/>
                 <a:ea typeface="PMingLiU" panose="02020500000000000000" pitchFamily="18" charset="-120"/>
@@ -4678,14 +5078,14 @@
               <a:t>Archival research</a:t>
             </a:r>
             <a:r>
-              <a:rPr lang="en-GB" sz="2800" dirty="0">
+              <a:rPr lang="en-GB" sz="2000" dirty="0">
                 <a:effectLst/>
                 <a:latin typeface="Times New Roman" panose="02020603050405020304" pitchFamily="18" charset="0"/>
                 <a:ea typeface="PMingLiU" panose="02020500000000000000" pitchFamily="18" charset="-120"/>
               </a:rPr>
               <a:t> strategy has historical connotation where it uses historical documentation or administrative records over time other artefacts for a long time</a:t>
             </a:r>
-            <a:endParaRPr lang="en-US" sz="2800" dirty="0">
+            <a:endParaRPr lang="en-GB" sz="2000" dirty="0">
               <a:effectLst/>
               <a:latin typeface="Times New Roman" panose="02020603050405020304" pitchFamily="18" charset="0"/>
               <a:ea typeface="PMingLiU" panose="02020500000000000000" pitchFamily="18" charset="-120"/>
@@ -4764,12 +5164,12 @@
         </p:spPr>
         <p:txBody>
           <a:bodyPr>
-            <a:normAutofit fontScale="92500" lnSpcReduction="10000"/>
+            <a:noAutofit/>
           </a:bodyPr>
           <a:lstStyle/>
           <a:p>
             <a:r>
-              <a:rPr lang="en-GB" sz="2000" dirty="0">
+              <a:rPr lang="en-GB" sz="1600" dirty="0">
                 <a:effectLst/>
                 <a:latin typeface="Times New Roman" panose="02020603050405020304" pitchFamily="18" charset="0"/>
                 <a:ea typeface="PMingLiU" panose="02020500000000000000" pitchFamily="18" charset="-120"/>
@@ -4777,7 +5177,7 @@
               <a:t>The </a:t>
             </a:r>
             <a:r>
-              <a:rPr lang="en-GB" sz="2000" b="1" i="1" dirty="0">
+              <a:rPr lang="en-GB" sz="1600" b="1" i="1" dirty="0">
                 <a:effectLst/>
                 <a:latin typeface="Times New Roman" panose="02020603050405020304" pitchFamily="18" charset="0"/>
                 <a:ea typeface="PMingLiU" panose="02020500000000000000" pitchFamily="18" charset="-120"/>
@@ -4785,7 +5185,7 @@
               <a:t>research choice</a:t>
             </a:r>
             <a:r>
-              <a:rPr lang="en-GB" sz="2000" dirty="0">
+              <a:rPr lang="en-GB" sz="1600" dirty="0">
                 <a:effectLst/>
                 <a:latin typeface="Times New Roman" panose="02020603050405020304" pitchFamily="18" charset="0"/>
                 <a:ea typeface="PMingLiU" panose="02020500000000000000" pitchFamily="18" charset="-120"/>
@@ -4793,7 +5193,7 @@
               <a:t> may use mono method or multiple methods (quantitative or qualitative) or mixed methods (mixed methods or mixed models research. Ex. Transform qualitative data into numerical data by codifying them (</a:t>
             </a:r>
             <a:r>
-              <a:rPr lang="en-GB" sz="2000" i="1" dirty="0" err="1">
+              <a:rPr lang="en-GB" sz="1600" i="1" dirty="0" err="1">
                 <a:effectLst/>
                 <a:latin typeface="Times New Roman" panose="02020603050405020304" pitchFamily="18" charset="0"/>
                 <a:ea typeface="PMingLiU" panose="02020500000000000000" pitchFamily="18" charset="-120"/>
@@ -4801,7 +5201,7 @@
               <a:t>quantitise</a:t>
             </a:r>
             <a:r>
-              <a:rPr lang="en-GB" sz="2000" dirty="0">
+              <a:rPr lang="en-GB" sz="1600" dirty="0">
                 <a:effectLst/>
                 <a:latin typeface="Times New Roman" panose="02020603050405020304" pitchFamily="18" charset="0"/>
                 <a:ea typeface="PMingLiU" panose="02020500000000000000" pitchFamily="18" charset="-120"/>
@@ -4809,7 +5209,7 @@
               <a:t>) or making a narrative of quantitative data (</a:t>
             </a:r>
             <a:r>
-              <a:rPr lang="en-GB" sz="2000" i="1" dirty="0" err="1">
+              <a:rPr lang="en-GB" sz="1600" i="1" dirty="0" err="1">
                 <a:effectLst/>
                 <a:latin typeface="Times New Roman" panose="02020603050405020304" pitchFamily="18" charset="0"/>
                 <a:ea typeface="PMingLiU" panose="02020500000000000000" pitchFamily="18" charset="-120"/>
@@ -4817,14 +5217,14 @@
               <a:t>qualitise</a:t>
             </a:r>
             <a:r>
-              <a:rPr lang="en-GB" sz="2000" dirty="0">
+              <a:rPr lang="en-GB" sz="1600" dirty="0">
                 <a:effectLst/>
                 <a:latin typeface="Times New Roman" panose="02020603050405020304" pitchFamily="18" charset="0"/>
                 <a:ea typeface="PMingLiU" panose="02020500000000000000" pitchFamily="18" charset="-120"/>
               </a:rPr>
               <a:t>)</a:t>
             </a:r>
-            <a:endParaRPr lang="en-US" sz="2000" dirty="0">
+            <a:endParaRPr lang="en-US" sz="1600" dirty="0">
               <a:effectLst/>
               <a:latin typeface="Times New Roman" panose="02020603050405020304" pitchFamily="18" charset="0"/>
               <a:ea typeface="PMingLiU" panose="02020500000000000000" pitchFamily="18" charset="-120"/>
@@ -4833,7 +5233,7 @@
           <a:p>
             <a:pPr algn="just"/>
             <a:r>
-              <a:rPr lang="en-GB" sz="2000" i="1" dirty="0">
+              <a:rPr lang="en-GB" sz="1600" i="1" dirty="0">
                 <a:effectLst/>
                 <a:latin typeface="Times New Roman" panose="02020603050405020304" pitchFamily="18" charset="0"/>
                 <a:ea typeface="PMingLiU" panose="02020500000000000000" pitchFamily="18" charset="-120"/>
@@ -4841,14 +5241,14 @@
               <a:t>Quantitative method</a:t>
             </a:r>
             <a:r>
-              <a:rPr lang="en-GB" sz="2000" dirty="0">
+              <a:rPr lang="en-GB" sz="1600" dirty="0">
                 <a:effectLst/>
                 <a:latin typeface="Times New Roman" panose="02020603050405020304" pitchFamily="18" charset="0"/>
                 <a:ea typeface="PMingLiU" panose="02020500000000000000" pitchFamily="18" charset="-120"/>
               </a:rPr>
               <a:t> focuses on numeric data (numbers) collection. It refers to the data collection technique using the questionnaire, structured interview or structured observation and making the data analysis procedure such as graphs, tables to generate descriptive(frequencies and percentiles, mean, mode median, variance, standard deviation, coefficient of variation), inferential statistics(correlation, fisher, t-test, normal distribution) or using numerical data (ex. Student marks, salary of the employee, etc.)</a:t>
             </a:r>
-            <a:endParaRPr lang="en-US" sz="2000" dirty="0">
+            <a:endParaRPr lang="en-US" sz="1600" dirty="0">
               <a:effectLst/>
               <a:latin typeface="Times New Roman" panose="02020603050405020304" pitchFamily="18" charset="0"/>
               <a:ea typeface="PMingLiU" panose="02020500000000000000" pitchFamily="18" charset="-120"/>
@@ -4857,7 +5257,7 @@
           <a:p>
             <a:pPr algn="just"/>
             <a:r>
-              <a:rPr lang="en-GB" sz="2000" i="1" dirty="0">
+              <a:rPr lang="en-GB" sz="1600" i="1" dirty="0">
                 <a:effectLst/>
                 <a:latin typeface="Times New Roman" panose="02020603050405020304" pitchFamily="18" charset="0"/>
                 <a:ea typeface="PMingLiU" panose="02020500000000000000" pitchFamily="18" charset="-120"/>
@@ -4865,14 +5265,14 @@
               <a:t>Qualitative method</a:t>
             </a:r>
             <a:r>
-              <a:rPr lang="en-GB" sz="2000" dirty="0">
+              <a:rPr lang="en-GB" sz="1600" dirty="0">
                 <a:effectLst/>
                 <a:latin typeface="Times New Roman" panose="02020603050405020304" pitchFamily="18" charset="0"/>
                 <a:ea typeface="PMingLiU" panose="02020500000000000000" pitchFamily="18" charset="-120"/>
               </a:rPr>
               <a:t> focuses on the non-numerical data (words) or prints (pictures), or sound record (audio or video clips). These sound records can be transcribed into words using appropriate instruments such as recorder and transcribing software applications.  It refers to the data collection using in-depth interview, focus group discussion or non-structured interview or data analysis procedure such as categorizing data that generate non-numerical data. </a:t>
             </a:r>
-            <a:endParaRPr lang="en-US" sz="2000" dirty="0">
+            <a:endParaRPr lang="en-US" sz="1600" dirty="0">
               <a:effectLst/>
               <a:latin typeface="Times New Roman" panose="02020603050405020304" pitchFamily="18" charset="0"/>
               <a:ea typeface="PMingLiU" panose="02020500000000000000" pitchFamily="18" charset="-120"/>
@@ -4881,7 +5281,7 @@
           <a:p>
             <a:pPr algn="just"/>
             <a:r>
-              <a:rPr lang="en-GB" sz="2000" i="1" dirty="0">
+              <a:rPr lang="en-GB" sz="1600" i="1" dirty="0">
                 <a:effectLst/>
                 <a:latin typeface="Times New Roman" panose="02020603050405020304" pitchFamily="18" charset="0"/>
                 <a:ea typeface="PMingLiU" panose="02020500000000000000" pitchFamily="18" charset="-120"/>
@@ -4889,7 +5289,7 @@
               <a:t>Mixed method research</a:t>
             </a:r>
             <a:r>
-              <a:rPr lang="en-GB" sz="2000" dirty="0">
+              <a:rPr lang="en-GB" sz="1600" dirty="0">
                 <a:effectLst/>
                 <a:latin typeface="Times New Roman" panose="02020603050405020304" pitchFamily="18" charset="0"/>
                 <a:ea typeface="PMingLiU" panose="02020500000000000000" pitchFamily="18" charset="-120"/>
@@ -4897,7 +5297,7 @@
               <a:t> uses both quantitative and qualitative data collection and analysis procedure at the same time or one after the other but </a:t>
             </a:r>
             <a:r>
-              <a:rPr lang="en-GB" sz="2000" b="1" dirty="0">
+              <a:rPr lang="en-GB" sz="1600" b="1" dirty="0">
                 <a:effectLst/>
                 <a:latin typeface="Times New Roman" panose="02020603050405020304" pitchFamily="18" charset="0"/>
                 <a:ea typeface="PMingLiU" panose="02020500000000000000" pitchFamily="18" charset="-120"/>
@@ -4905,14 +5305,14 @@
               <a:t>does not combine</a:t>
             </a:r>
             <a:r>
-              <a:rPr lang="en-GB" sz="2000" dirty="0">
+              <a:rPr lang="en-GB" sz="1600" dirty="0">
                 <a:effectLst/>
                 <a:latin typeface="Times New Roman" panose="02020603050405020304" pitchFamily="18" charset="0"/>
                 <a:ea typeface="PMingLiU" panose="02020500000000000000" pitchFamily="18" charset="-120"/>
               </a:rPr>
               <a:t> them.</a:t>
             </a:r>
-            <a:endParaRPr lang="en-US" sz="2000" dirty="0">
+            <a:endParaRPr lang="en-US" sz="1600" dirty="0">
               <a:effectLst/>
               <a:latin typeface="Times New Roman" panose="02020603050405020304" pitchFamily="18" charset="0"/>
               <a:ea typeface="PMingLiU" panose="02020500000000000000" pitchFamily="18" charset="-120"/>
@@ -4921,7 +5321,7 @@
           <a:p>
             <a:pPr algn="just"/>
             <a:r>
-              <a:rPr lang="en-GB" sz="2000" i="1" dirty="0">
+              <a:rPr lang="en-GB" sz="1600" i="1" dirty="0">
                 <a:effectLst/>
                 <a:latin typeface="Times New Roman" panose="02020603050405020304" pitchFamily="18" charset="0"/>
                 <a:ea typeface="PMingLiU" panose="02020500000000000000" pitchFamily="18" charset="-120"/>
@@ -4929,7 +5329,7 @@
               <a:t>Mixed model research</a:t>
             </a:r>
             <a:r>
-              <a:rPr lang="en-GB" sz="2000" dirty="0">
+              <a:rPr lang="en-GB" sz="1600" dirty="0">
                 <a:effectLst/>
                 <a:latin typeface="Times New Roman" panose="02020603050405020304" pitchFamily="18" charset="0"/>
                 <a:ea typeface="PMingLiU" panose="02020500000000000000" pitchFamily="18" charset="-120"/>
@@ -4937,7 +5337,7 @@
               <a:t> </a:t>
             </a:r>
             <a:r>
-              <a:rPr lang="en-GB" sz="2000" b="1" dirty="0">
+              <a:rPr lang="en-GB" sz="1600" b="1" dirty="0">
                 <a:effectLst/>
                 <a:latin typeface="Times New Roman" panose="02020603050405020304" pitchFamily="18" charset="0"/>
                 <a:ea typeface="PMingLiU" panose="02020500000000000000" pitchFamily="18" charset="-120"/>
@@ -4945,14 +5345,14 @@
               <a:t>combines</a:t>
             </a:r>
             <a:r>
-              <a:rPr lang="en-GB" sz="2000" dirty="0">
+              <a:rPr lang="en-GB" sz="1600" dirty="0">
                 <a:effectLst/>
                 <a:latin typeface="Times New Roman" panose="02020603050405020304" pitchFamily="18" charset="0"/>
                 <a:ea typeface="PMingLiU" panose="02020500000000000000" pitchFamily="18" charset="-120"/>
               </a:rPr>
               <a:t> quantitative data collection techniques and analysis procedure and qualitative data collection techniques and analysis procedures.</a:t>
             </a:r>
-            <a:endParaRPr lang="en-US" sz="2000" dirty="0">
+            <a:endParaRPr lang="en-US" sz="1600" dirty="0">
               <a:effectLst/>
               <a:latin typeface="Times New Roman" panose="02020603050405020304" pitchFamily="18" charset="0"/>
               <a:ea typeface="PMingLiU" panose="02020500000000000000" pitchFamily="18" charset="-120"/>
@@ -4962,7 +5362,7 @@
             <a:pPr marL="0" indent="0" algn="just">
               <a:buNone/>
             </a:pPr>
-            <a:endParaRPr lang="en-US" sz="1800" dirty="0">
+            <a:endParaRPr lang="en-US" sz="1600" dirty="0">
               <a:effectLst/>
               <a:latin typeface="Times New Roman" panose="02020603050405020304" pitchFamily="18" charset="0"/>
               <a:ea typeface="PMingLiU" panose="02020500000000000000" pitchFamily="18" charset="-120"/>
@@ -5405,7 +5805,7 @@
           <a:p>
             <a:pPr algn="just"/>
             <a:r>
-              <a:rPr lang="en-US" sz="2800" dirty="0">
+              <a:rPr lang="en-US" sz="2400" dirty="0">
                 <a:effectLst/>
                 <a:latin typeface="Times New Roman" panose="02020603050405020304" pitchFamily="18" charset="0"/>
                 <a:ea typeface="PMingLiU" panose="02020500000000000000" pitchFamily="18" charset="-120"/>
@@ -5413,7 +5813,7 @@
               <a:t>It uses in priority the scientific method that uses the </a:t>
             </a:r>
             <a:r>
-              <a:rPr lang="en-US" sz="2800" i="1" dirty="0">
+              <a:rPr lang="en-US" sz="2400" i="1" dirty="0">
                 <a:effectLst/>
                 <a:latin typeface="Times New Roman" panose="02020603050405020304" pitchFamily="18" charset="0"/>
                 <a:ea typeface="PMingLiU" panose="02020500000000000000" pitchFamily="18" charset="-120"/>
@@ -5421,7 +5821,7 @@
               <a:t>deductive approach</a:t>
             </a:r>
             <a:r>
-              <a:rPr lang="en-US" sz="2800" dirty="0">
+              <a:rPr lang="en-US" sz="2400" dirty="0">
                 <a:effectLst/>
                 <a:latin typeface="Times New Roman" panose="02020603050405020304" pitchFamily="18" charset="0"/>
                 <a:ea typeface="PMingLiU" panose="02020500000000000000" pitchFamily="18" charset="-120"/>
@@ -5429,7 +5829,7 @@
               <a:t> (that goes from the general to the particular) and the </a:t>
             </a:r>
             <a:r>
-              <a:rPr lang="en-US" sz="2800" i="1" dirty="0">
+              <a:rPr lang="en-US" sz="2400" i="1" dirty="0">
                 <a:effectLst/>
                 <a:latin typeface="Times New Roman" panose="02020603050405020304" pitchFamily="18" charset="0"/>
                 <a:ea typeface="PMingLiU" panose="02020500000000000000" pitchFamily="18" charset="-120"/>
@@ -5437,14 +5837,14 @@
               <a:t>inductive approach</a:t>
             </a:r>
             <a:r>
-              <a:rPr lang="en-US" sz="2800" dirty="0">
+              <a:rPr lang="en-US" sz="2400" dirty="0">
                 <a:effectLst/>
                 <a:latin typeface="Times New Roman" panose="02020603050405020304" pitchFamily="18" charset="0"/>
                 <a:ea typeface="PMingLiU" panose="02020500000000000000" pitchFamily="18" charset="-120"/>
               </a:rPr>
               <a:t> (from particular to the general). </a:t>
             </a:r>
-            <a:endParaRPr lang="en-US" sz="2800" dirty="0">
+            <a:endParaRPr lang="en-US" sz="2400" dirty="0">
               <a:effectLst/>
               <a:latin typeface="Times New Roman" panose="02020603050405020304" pitchFamily="18" charset="0"/>
               <a:ea typeface="PMingLiU" panose="02020500000000000000" pitchFamily="18" charset="-120"/>
@@ -5453,7 +5853,7 @@
           <a:p>
             <a:pPr algn="just"/>
             <a:r>
-              <a:rPr lang="en-US" sz="2800" dirty="0">
+              <a:rPr lang="en-US" sz="2400" dirty="0">
                 <a:effectLst/>
                 <a:latin typeface="Times New Roman" panose="02020603050405020304" pitchFamily="18" charset="0"/>
                 <a:ea typeface="PMingLiU" panose="02020500000000000000" pitchFamily="18" charset="-120"/>
@@ -5461,7 +5861,7 @@
               <a:t>The</a:t>
             </a:r>
             <a:r>
-              <a:rPr lang="en-US" sz="2800" b="1" i="1" dirty="0">
+              <a:rPr lang="en-US" sz="2400" b="1" i="1" dirty="0">
                 <a:effectLst/>
                 <a:latin typeface="Times New Roman" panose="02020603050405020304" pitchFamily="18" charset="0"/>
                 <a:ea typeface="PMingLiU" panose="02020500000000000000" pitchFamily="18" charset="-120"/>
@@ -5469,14 +5869,14 @@
               <a:t> scientific research process </a:t>
             </a:r>
             <a:r>
-              <a:rPr lang="en-US" sz="2800" dirty="0">
+              <a:rPr lang="en-US" sz="2400" dirty="0">
                 <a:effectLst/>
                 <a:latin typeface="Times New Roman" panose="02020603050405020304" pitchFamily="18" charset="0"/>
                 <a:ea typeface="PMingLiU" panose="02020500000000000000" pitchFamily="18" charset="-120"/>
               </a:rPr>
               <a:t>is as follows:  </a:t>
             </a:r>
-            <a:endParaRPr lang="en-US" sz="2800" dirty="0">
+            <a:endParaRPr lang="en-US" sz="2400" dirty="0">
               <a:effectLst/>
               <a:latin typeface="Times New Roman" panose="02020603050405020304" pitchFamily="18" charset="0"/>
               <a:ea typeface="PMingLiU" panose="02020500000000000000" pitchFamily="18" charset="-120"/>
@@ -5487,14 +5887,14 @@
               <a:buNone/>
             </a:pPr>
             <a:r>
-              <a:rPr lang="en-US" sz="2800" dirty="0">
+              <a:rPr lang="en-US" sz="2400" dirty="0">
                 <a:effectLst/>
                 <a:latin typeface="Times New Roman" panose="02020603050405020304" pitchFamily="18" charset="0"/>
                 <a:ea typeface="PMingLiU" panose="02020500000000000000" pitchFamily="18" charset="-120"/>
               </a:rPr>
               <a:t>1. Identification and definition of the problem (observation)  </a:t>
             </a:r>
-            <a:endParaRPr lang="en-US" sz="2800" dirty="0">
+            <a:endParaRPr lang="en-US" sz="2400" dirty="0">
               <a:effectLst/>
               <a:latin typeface="Times New Roman" panose="02020603050405020304" pitchFamily="18" charset="0"/>
               <a:ea typeface="PMingLiU" panose="02020500000000000000" pitchFamily="18" charset="-120"/>
@@ -5505,14 +5905,14 @@
               <a:buNone/>
             </a:pPr>
             <a:r>
-              <a:rPr lang="en-US" sz="2800" dirty="0">
+              <a:rPr lang="en-US" sz="2400" dirty="0">
                 <a:effectLst/>
                 <a:latin typeface="Times New Roman" panose="02020603050405020304" pitchFamily="18" charset="0"/>
                 <a:ea typeface="PMingLiU" panose="02020500000000000000" pitchFamily="18" charset="-120"/>
               </a:rPr>
               <a:t>2. Formulation of the hypothesis (or question)  </a:t>
             </a:r>
-            <a:endParaRPr lang="en-US" sz="2800" dirty="0">
+            <a:endParaRPr lang="en-US" sz="2400" dirty="0">
               <a:effectLst/>
               <a:latin typeface="Times New Roman" panose="02020603050405020304" pitchFamily="18" charset="0"/>
               <a:ea typeface="PMingLiU" panose="02020500000000000000" pitchFamily="18" charset="-120"/>
@@ -5523,14 +5923,14 @@
               <a:buNone/>
             </a:pPr>
             <a:r>
-              <a:rPr lang="en-US" sz="2800" dirty="0">
+              <a:rPr lang="en-US" sz="2400" dirty="0">
                 <a:effectLst/>
                 <a:latin typeface="Times New Roman" panose="02020603050405020304" pitchFamily="18" charset="0"/>
                 <a:ea typeface="PMingLiU" panose="02020500000000000000" pitchFamily="18" charset="-120"/>
               </a:rPr>
               <a:t>3. Collection, organization and analysis of the data (Experimentation)  </a:t>
             </a:r>
-            <a:endParaRPr lang="en-US" sz="2800" dirty="0">
+            <a:endParaRPr lang="en-US" sz="2400" dirty="0">
               <a:effectLst/>
               <a:latin typeface="Times New Roman" panose="02020603050405020304" pitchFamily="18" charset="0"/>
               <a:ea typeface="PMingLiU" panose="02020500000000000000" pitchFamily="18" charset="-120"/>
@@ -5541,14 +5941,14 @@
               <a:buNone/>
             </a:pPr>
             <a:r>
-              <a:rPr lang="en-US" sz="2800" dirty="0">
+              <a:rPr lang="en-US" sz="2400" dirty="0">
                 <a:effectLst/>
                 <a:latin typeface="Times New Roman" panose="02020603050405020304" pitchFamily="18" charset="0"/>
                 <a:ea typeface="PMingLiU" panose="02020500000000000000" pitchFamily="18" charset="-120"/>
               </a:rPr>
               <a:t>4. Formulation of the results and findings (Interpretation)  </a:t>
             </a:r>
-            <a:endParaRPr lang="en-US" sz="2800" dirty="0">
+            <a:endParaRPr lang="en-US" sz="2400" dirty="0">
               <a:effectLst/>
               <a:latin typeface="Times New Roman" panose="02020603050405020304" pitchFamily="18" charset="0"/>
               <a:ea typeface="PMingLiU" panose="02020500000000000000" pitchFamily="18" charset="-120"/>
@@ -5559,14 +5959,14 @@
               <a:buNone/>
             </a:pPr>
             <a:r>
-              <a:rPr lang="en-US" sz="2800" dirty="0">
+              <a:rPr lang="en-US" sz="2400" dirty="0">
                 <a:effectLst/>
                 <a:latin typeface="Times New Roman" panose="02020603050405020304" pitchFamily="18" charset="0"/>
                 <a:ea typeface="PMingLiU" panose="02020500000000000000" pitchFamily="18" charset="-120"/>
               </a:rPr>
               <a:t>5. Verification, dismissal (reject) or modification of the hypothesis (Conclusion)</a:t>
             </a:r>
-            <a:endParaRPr lang="en-US" sz="2800" dirty="0">
+            <a:endParaRPr lang="en-US" sz="2400" dirty="0">
               <a:effectLst/>
               <a:latin typeface="Times New Roman" panose="02020603050405020304" pitchFamily="18" charset="0"/>
               <a:ea typeface="PMingLiU" panose="02020500000000000000" pitchFamily="18" charset="-120"/>
@@ -5739,7 +6139,9 @@
             </a:endParaRPr>
           </a:p>
           <a:p>
-            <a:pPr algn="just"/>
+            <a:pPr marL="0" indent="0" algn="just">
+              <a:buNone/>
+            </a:pPr>
             <a:r>
               <a:rPr lang="en-US" sz="1800" b="1" dirty="0">
                 <a:effectLst/>
@@ -5819,14 +6221,16 @@
             </a:endParaRPr>
           </a:p>
           <a:p>
-            <a:pPr algn="just"/>
+            <a:pPr marL="0" indent="0" algn="just">
+              <a:buNone/>
+            </a:pPr>
             <a:r>
               <a:rPr lang="en-US" sz="1800" b="1" dirty="0">
                 <a:effectLst/>
                 <a:latin typeface="Times New Roman" panose="02020603050405020304" pitchFamily="18" charset="0"/>
                 <a:ea typeface="PMingLiU" panose="02020500000000000000" pitchFamily="18" charset="-120"/>
               </a:rPr>
-              <a:t>  Classification according to the context of application </a:t>
+              <a:t> Classification according to the context of application </a:t>
             </a:r>
             <a:endParaRPr lang="en-US" sz="1800" dirty="0">
               <a:effectLst/>
@@ -5858,7 +6262,7 @@
                 <a:latin typeface="Times New Roman" panose="02020603050405020304" pitchFamily="18" charset="0"/>
                 <a:ea typeface="PMingLiU" panose="02020500000000000000" pitchFamily="18" charset="-120"/>
               </a:rPr>
-              <a:t>Research by investigation/survey </a:t>
+              <a:t>Research by investigation/survey</a:t>
             </a:r>
             <a:endParaRPr lang="en-US" sz="1800" dirty="0">
               <a:effectLst/>
@@ -5874,7 +6278,7 @@
                 <a:latin typeface="Times New Roman" panose="02020603050405020304" pitchFamily="18" charset="0"/>
                 <a:ea typeface="PMingLiU" panose="02020500000000000000" pitchFamily="18" charset="-120"/>
               </a:rPr>
-              <a:t>Quasi-experimental research  </a:t>
+              <a:t>Quasi-experimental research</a:t>
             </a:r>
             <a:endParaRPr lang="en-US" sz="1800" dirty="0">
               <a:effectLst/>
@@ -6056,7 +6460,7 @@
           <a:lstStyle/>
           <a:p>
             <a:r>
-              <a:rPr lang="en-US" dirty="0">
+              <a:rPr lang="en-US" sz="2400" dirty="0">
                 <a:effectLst/>
                 <a:latin typeface="Times New Roman" panose="02020603050405020304" pitchFamily="18" charset="0"/>
                 <a:ea typeface="PMingLiU" panose="02020500000000000000" pitchFamily="18" charset="-120"/>
@@ -6064,7 +6468,7 @@
               <a:t>The </a:t>
             </a:r>
             <a:r>
-              <a:rPr lang="en-US" b="1" i="1" dirty="0">
+              <a:rPr lang="en-US" sz="2400" b="1" i="1" dirty="0">
                 <a:effectLst/>
                 <a:latin typeface="Times New Roman" panose="02020603050405020304" pitchFamily="18" charset="0"/>
                 <a:ea typeface="PMingLiU" panose="02020500000000000000" pitchFamily="18" charset="-120"/>
@@ -6072,44 +6476,44 @@
               <a:t>conceptual phase</a:t>
             </a:r>
             <a:r>
-              <a:rPr lang="en-US" dirty="0">
+              <a:rPr lang="en-US" sz="2400" dirty="0">
                 <a:effectLst/>
                 <a:latin typeface="Times New Roman" panose="02020603050405020304" pitchFamily="18" charset="0"/>
                 <a:ea typeface="PMingLiU" panose="02020500000000000000" pitchFamily="18" charset="-120"/>
               </a:rPr>
               <a:t> is composed with the research proposal. </a:t>
             </a:r>
-            <a:endParaRPr lang="en-US" dirty="0">
-              <a:effectLst/>
-              <a:latin typeface="Times New Roman" panose="02020603050405020304" pitchFamily="18" charset="0"/>
-              <a:ea typeface="PMingLiU" panose="02020500000000000000" pitchFamily="18" charset="-120"/>
-            </a:endParaRPr>
-          </a:p>
-          <a:p>
-            <a:r>
-              <a:rPr lang="en-US" dirty="0">
+            <a:endParaRPr lang="en-US" sz="2400" dirty="0">
+              <a:effectLst/>
+              <a:latin typeface="Times New Roman" panose="02020603050405020304" pitchFamily="18" charset="0"/>
+              <a:ea typeface="PMingLiU" panose="02020500000000000000" pitchFamily="18" charset="-120"/>
+            </a:endParaRPr>
+          </a:p>
+          <a:p>
+            <a:r>
+              <a:rPr lang="en-US" sz="2400" dirty="0">
                 <a:effectLst/>
                 <a:latin typeface="Times New Roman" panose="02020603050405020304" pitchFamily="18" charset="0"/>
                 <a:ea typeface="PMingLiU" panose="02020500000000000000" pitchFamily="18" charset="-120"/>
               </a:rPr>
               <a:t>According to Zikmund (2003), the research proposal is a written statement of research design that includes statement explaining the purpose of the study and the detailed, systematic outlined of  a particular research methodology. </a:t>
             </a:r>
-            <a:endParaRPr lang="en-US" dirty="0">
-              <a:effectLst/>
-              <a:latin typeface="Times New Roman" panose="02020603050405020304" pitchFamily="18" charset="0"/>
-              <a:ea typeface="PMingLiU" panose="02020500000000000000" pitchFamily="18" charset="-120"/>
-            </a:endParaRPr>
-          </a:p>
-          <a:p>
-            <a:r>
-              <a:rPr lang="en-US" dirty="0">
+            <a:endParaRPr lang="en-US" sz="2400" dirty="0">
+              <a:effectLst/>
+              <a:latin typeface="Times New Roman" panose="02020603050405020304" pitchFamily="18" charset="0"/>
+              <a:ea typeface="PMingLiU" panose="02020500000000000000" pitchFamily="18" charset="-120"/>
+            </a:endParaRPr>
+          </a:p>
+          <a:p>
+            <a:r>
+              <a:rPr lang="en-US" sz="2400" dirty="0">
                 <a:effectLst/>
                 <a:latin typeface="Times New Roman" panose="02020603050405020304" pitchFamily="18" charset="0"/>
                 <a:ea typeface="PMingLiU" panose="02020500000000000000" pitchFamily="18" charset="-120"/>
               </a:rPr>
               <a:t>Generally, it includes the following elements: the analysis of the situation, the critical analysis of related written documents, the population and the sample, the instrument of research, the progress of research, the treatment and the analysis of the data, financing, and timing.  </a:t>
             </a:r>
-            <a:endParaRPr lang="en-US" dirty="0">
+            <a:endParaRPr lang="en-US" sz="2400" dirty="0">
               <a:effectLst/>
               <a:latin typeface="Times New Roman" panose="02020603050405020304" pitchFamily="18" charset="0"/>
               <a:ea typeface="PMingLiU" panose="02020500000000000000" pitchFamily="18" charset="-120"/>
@@ -6913,4 +7317,263 @@
     </a:ext>
   </a:extLst>
 </a:theme>
+</file>
+
+<file path=ppt/theme/theme2.xml><?xml version="1.0" encoding="utf-8"?>
+<a:theme xmlns:a="http://schemas.openxmlformats.org/drawingml/2006/main" name="Office Theme">
+  <a:themeElements>
+    <a:clrScheme name="Office">
+      <a:dk1>
+        <a:sysClr val="windowText" lastClr="000000"/>
+      </a:dk1>
+      <a:lt1>
+        <a:sysClr val="window" lastClr="FFFFFF"/>
+      </a:lt1>
+      <a:dk2>
+        <a:srgbClr val="44546A"/>
+      </a:dk2>
+      <a:lt2>
+        <a:srgbClr val="E7E6E6"/>
+      </a:lt2>
+      <a:accent1>
+        <a:srgbClr val="5B9BD5"/>
+      </a:accent1>
+      <a:accent2>
+        <a:srgbClr val="ED7D31"/>
+      </a:accent2>
+      <a:accent3>
+        <a:srgbClr val="A5A5A5"/>
+      </a:accent3>
+      <a:accent4>
+        <a:srgbClr val="FFC000"/>
+      </a:accent4>
+      <a:accent5>
+        <a:srgbClr val="4472C4"/>
+      </a:accent5>
+      <a:accent6>
+        <a:srgbClr val="70AD47"/>
+      </a:accent6>
+      <a:hlink>
+        <a:srgbClr val="0563C1"/>
+      </a:hlink>
+      <a:folHlink>
+        <a:srgbClr val="954F72"/>
+      </a:folHlink>
+    </a:clrScheme>
+    <a:fontScheme name="Office">
+      <a:majorFont>
+        <a:latin typeface="Calibri Light"/>
+        <a:ea typeface=""/>
+        <a:cs typeface=""/>
+        <a:font script="Jpan" typeface="ＭＳ Ｐゴシック"/>
+        <a:font script="Hang" typeface="맑은 고딕"/>
+        <a:font script="Hans" typeface="宋体"/>
+        <a:font script="Hant" typeface="新細明體"/>
+        <a:font script="Arab" typeface="Times New Roman"/>
+        <a:font script="Hebr" typeface="Times New Roman"/>
+        <a:font script="Thai" typeface="Angsana New"/>
+        <a:font script="Ethi" typeface="Nyala"/>
+        <a:font script="Beng" typeface="Vrinda"/>
+        <a:font script="Gujr" typeface="Shruti"/>
+        <a:font script="Khmr" typeface="MoolBoran"/>
+        <a:font script="Knda" typeface="Tunga"/>
+        <a:font script="Guru" typeface="Raavi"/>
+        <a:font script="Cans" typeface="Euphemia"/>
+        <a:font script="Cher" typeface="Plantagenet Cherokee"/>
+        <a:font script="Yiii" typeface="Microsoft Yi Baiti"/>
+        <a:font script="Tibt" typeface="Microsoft Himalaya"/>
+        <a:font script="Thaa" typeface="MV Boli"/>
+        <a:font script="Deva" typeface="Mangal"/>
+        <a:font script="Telu" typeface="Gautami"/>
+        <a:font script="Taml" typeface="Latha"/>
+        <a:font script="Syrc" typeface="Estrangelo Edessa"/>
+        <a:font script="Orya" typeface="Kalinga"/>
+        <a:font script="Mlym" typeface="Kartika"/>
+        <a:font script="Laoo" typeface="DokChampa"/>
+        <a:font script="Sinh" typeface="Iskoola Pota"/>
+        <a:font script="Mong" typeface="Mongolian Baiti"/>
+        <a:font script="Viet" typeface="Times New Roman"/>
+        <a:font script="Uigh" typeface="Microsoft Uighur"/>
+        <a:font script="Geor" typeface="Sylfaen"/>
+      </a:majorFont>
+      <a:minorFont>
+        <a:latin typeface="Calibri"/>
+        <a:ea typeface=""/>
+        <a:cs typeface=""/>
+        <a:font script="Jpan" typeface="ＭＳ Ｐゴシック"/>
+        <a:font script="Hang" typeface="맑은 고딕"/>
+        <a:font script="Hans" typeface="宋体"/>
+        <a:font script="Hant" typeface="新細明體"/>
+        <a:font script="Arab" typeface="Arial"/>
+        <a:font script="Hebr" typeface="Arial"/>
+        <a:font script="Thai" typeface="Cordia New"/>
+        <a:font script="Ethi" typeface="Nyala"/>
+        <a:font script="Beng" typeface="Vrinda"/>
+        <a:font script="Gujr" typeface="Shruti"/>
+        <a:font script="Khmr" typeface="DaunPenh"/>
+        <a:font script="Knda" typeface="Tunga"/>
+        <a:font script="Guru" typeface="Raavi"/>
+        <a:font script="Cans" typeface="Euphemia"/>
+        <a:font script="Cher" typeface="Plantagenet Cherokee"/>
+        <a:font script="Yiii" typeface="Microsoft Yi Baiti"/>
+        <a:font script="Tibt" typeface="Microsoft Himalaya"/>
+        <a:font script="Thaa" typeface="MV Boli"/>
+        <a:font script="Deva" typeface="Mangal"/>
+        <a:font script="Telu" typeface="Gautami"/>
+        <a:font script="Taml" typeface="Latha"/>
+        <a:font script="Syrc" typeface="Estrangelo Edessa"/>
+        <a:font script="Orya" typeface="Kalinga"/>
+        <a:font script="Mlym" typeface="Kartika"/>
+        <a:font script="Laoo" typeface="DokChampa"/>
+        <a:font script="Sinh" typeface="Iskoola Pota"/>
+        <a:font script="Mong" typeface="Mongolian Baiti"/>
+        <a:font script="Viet" typeface="Arial"/>
+        <a:font script="Uigh" typeface="Microsoft Uighur"/>
+        <a:font script="Geor" typeface="Sylfaen"/>
+      </a:minorFont>
+    </a:fontScheme>
+    <a:fmtScheme name="Office">
+      <a:fillStyleLst>
+        <a:solidFill>
+          <a:schemeClr val="phClr"/>
+        </a:solidFill>
+        <a:gradFill rotWithShape="1">
+          <a:gsLst>
+            <a:gs pos="0">
+              <a:schemeClr val="phClr">
+                <a:lumMod val="110000"/>
+                <a:satMod val="105000"/>
+                <a:tint val="67000"/>
+              </a:schemeClr>
+            </a:gs>
+            <a:gs pos="50000">
+              <a:schemeClr val="phClr">
+                <a:lumMod val="105000"/>
+                <a:satMod val="103000"/>
+                <a:tint val="73000"/>
+              </a:schemeClr>
+            </a:gs>
+            <a:gs pos="100000">
+              <a:schemeClr val="phClr">
+                <a:lumMod val="105000"/>
+                <a:satMod val="109000"/>
+                <a:tint val="81000"/>
+              </a:schemeClr>
+            </a:gs>
+          </a:gsLst>
+          <a:lin ang="5400000" scaled="0"/>
+        </a:gradFill>
+        <a:gradFill rotWithShape="1">
+          <a:gsLst>
+            <a:gs pos="0">
+              <a:schemeClr val="phClr">
+                <a:satMod val="103000"/>
+                <a:lumMod val="102000"/>
+                <a:tint val="94000"/>
+              </a:schemeClr>
+            </a:gs>
+            <a:gs pos="50000">
+              <a:schemeClr val="phClr">
+                <a:satMod val="110000"/>
+                <a:lumMod val="100000"/>
+                <a:shade val="100000"/>
+              </a:schemeClr>
+            </a:gs>
+            <a:gs pos="100000">
+              <a:schemeClr val="phClr">
+                <a:lumMod val="99000"/>
+                <a:satMod val="120000"/>
+                <a:shade val="78000"/>
+              </a:schemeClr>
+            </a:gs>
+          </a:gsLst>
+          <a:lin ang="5400000" scaled="0"/>
+        </a:gradFill>
+      </a:fillStyleLst>
+      <a:lnStyleLst>
+        <a:ln w="6350" cap="flat" cmpd="sng" algn="ctr">
+          <a:solidFill>
+            <a:schemeClr val="phClr"/>
+          </a:solidFill>
+          <a:prstDash val="solid"/>
+          <a:miter lim="800000"/>
+        </a:ln>
+        <a:ln w="12700" cap="flat" cmpd="sng" algn="ctr">
+          <a:solidFill>
+            <a:schemeClr val="phClr"/>
+          </a:solidFill>
+          <a:prstDash val="solid"/>
+          <a:miter lim="800000"/>
+        </a:ln>
+        <a:ln w="19050" cap="flat" cmpd="sng" algn="ctr">
+          <a:solidFill>
+            <a:schemeClr val="phClr"/>
+          </a:solidFill>
+          <a:prstDash val="solid"/>
+          <a:miter lim="800000"/>
+        </a:ln>
+      </a:lnStyleLst>
+      <a:effectStyleLst>
+        <a:effectStyle>
+          <a:effectLst/>
+        </a:effectStyle>
+        <a:effectStyle>
+          <a:effectLst/>
+        </a:effectStyle>
+        <a:effectStyle>
+          <a:effectLst>
+            <a:outerShdw blurRad="57150" dist="19050" dir="5400000" algn="ctr" rotWithShape="0">
+              <a:srgbClr val="000000">
+                <a:alpha val="63000"/>
+              </a:srgbClr>
+            </a:outerShdw>
+          </a:effectLst>
+        </a:effectStyle>
+      </a:effectStyleLst>
+      <a:bgFillStyleLst>
+        <a:solidFill>
+          <a:schemeClr val="phClr"/>
+        </a:solidFill>
+        <a:solidFill>
+          <a:schemeClr val="phClr">
+            <a:tint val="95000"/>
+            <a:satMod val="170000"/>
+          </a:schemeClr>
+        </a:solidFill>
+        <a:gradFill rotWithShape="1">
+          <a:gsLst>
+            <a:gs pos="0">
+              <a:schemeClr val="phClr">
+                <a:tint val="93000"/>
+                <a:satMod val="150000"/>
+                <a:shade val="98000"/>
+                <a:lumMod val="102000"/>
+              </a:schemeClr>
+            </a:gs>
+            <a:gs pos="50000">
+              <a:schemeClr val="phClr">
+                <a:tint val="98000"/>
+                <a:satMod val="130000"/>
+                <a:shade val="90000"/>
+                <a:lumMod val="103000"/>
+              </a:schemeClr>
+            </a:gs>
+            <a:gs pos="100000">
+              <a:schemeClr val="phClr">
+                <a:shade val="63000"/>
+                <a:satMod val="120000"/>
+              </a:schemeClr>
+            </a:gs>
+          </a:gsLst>
+          <a:lin ang="5400000" scaled="0"/>
+        </a:gradFill>
+      </a:bgFillStyleLst>
+    </a:fmtScheme>
+  </a:themeElements>
+  <a:extLst>
+    <a:ext uri="{05A4C25C-085E-4340-85A3-A5531E510DB2}">
+      <thm15:themeFamily xmlns:thm15="http://schemas.microsoft.com/office/thememl/2012/main" name="Office Theme" id="{62F939B6-93AF-4DB8-9C6B-D6C7DFDC589F}" vid="{4A3C46E8-61CC-4603-A589-7422A47A8E4A}"/>
+    </a:ext>
+  </a:extLst>
+</a:theme>
 </file>